--- a/about_me/mockup.pptx
+++ b/about_me/mockup.pptx
@@ -5,13 +5,15 @@
     <p:sldMasterId id="2147483648" r:id="rId1"/>
   </p:sldMasterIdLst>
   <p:notesMasterIdLst>
-    <p:notesMasterId r:id="rId6"/>
+    <p:notesMasterId r:id="rId8"/>
   </p:notesMasterIdLst>
   <p:sldIdLst>
     <p:sldId id="256" r:id="rId2"/>
     <p:sldId id="258" r:id="rId3"/>
     <p:sldId id="257" r:id="rId4"/>
-    <p:sldId id="260" r:id="rId5"/>
+    <p:sldId id="261" r:id="rId5"/>
+    <p:sldId id="260" r:id="rId6"/>
+    <p:sldId id="262" r:id="rId7"/>
   </p:sldIdLst>
   <p:sldSz cx="12192000" cy="6858000"/>
   <p:notesSz cx="6858000" cy="9144000"/>
@@ -110,6 +112,11 @@
       </a:defRPr>
     </a:lvl9pPr>
   </p:defaultTextStyle>
+  <p:extLst>
+    <p:ext uri="{EFAFB233-063F-42B5-8137-9DF3F51BA10A}">
+      <p15:sldGuideLst xmlns:p15="http://schemas.microsoft.com/office/powerpoint/2012/main"/>
+    </p:ext>
+  </p:extLst>
 </p:presentation>
 </file>
 
@@ -195,7 +202,7 @@
           <a:p>
             <a:fld id="{A654D05E-9879-4045-8566-A6C145891754}" type="datetimeFigureOut">
               <a:rPr lang="de-CH" smtClean="0"/>
-              <a:t>18.04.2020</a:t>
+              <a:t>19.04.2020</a:t>
             </a:fld>
             <a:endParaRPr lang="de-CH"/>
           </a:p>
@@ -594,7 +601,7 @@
           <a:p>
             <a:fld id="{04C7ED8D-8335-45BF-A55E-4E4CF5103BD5}" type="datetimeFigureOut">
               <a:rPr lang="de-CH" smtClean="0"/>
-              <a:t>18.04.2020</a:t>
+              <a:t>19.04.2020</a:t>
             </a:fld>
             <a:endParaRPr lang="de-CH"/>
           </a:p>
@@ -764,7 +771,7 @@
           <a:p>
             <a:fld id="{04C7ED8D-8335-45BF-A55E-4E4CF5103BD5}" type="datetimeFigureOut">
               <a:rPr lang="de-CH" smtClean="0"/>
-              <a:t>18.04.2020</a:t>
+              <a:t>19.04.2020</a:t>
             </a:fld>
             <a:endParaRPr lang="de-CH"/>
           </a:p>
@@ -944,7 +951,7 @@
           <a:p>
             <a:fld id="{04C7ED8D-8335-45BF-A55E-4E4CF5103BD5}" type="datetimeFigureOut">
               <a:rPr lang="de-CH" smtClean="0"/>
-              <a:t>18.04.2020</a:t>
+              <a:t>19.04.2020</a:t>
             </a:fld>
             <a:endParaRPr lang="de-CH"/>
           </a:p>
@@ -1114,7 +1121,7 @@
           <a:p>
             <a:fld id="{04C7ED8D-8335-45BF-A55E-4E4CF5103BD5}" type="datetimeFigureOut">
               <a:rPr lang="de-CH" smtClean="0"/>
-              <a:t>18.04.2020</a:t>
+              <a:t>19.04.2020</a:t>
             </a:fld>
             <a:endParaRPr lang="de-CH"/>
           </a:p>
@@ -1360,7 +1367,7 @@
           <a:p>
             <a:fld id="{04C7ED8D-8335-45BF-A55E-4E4CF5103BD5}" type="datetimeFigureOut">
               <a:rPr lang="de-CH" smtClean="0"/>
-              <a:t>18.04.2020</a:t>
+              <a:t>19.04.2020</a:t>
             </a:fld>
             <a:endParaRPr lang="de-CH"/>
           </a:p>
@@ -1592,7 +1599,7 @@
           <a:p>
             <a:fld id="{04C7ED8D-8335-45BF-A55E-4E4CF5103BD5}" type="datetimeFigureOut">
               <a:rPr lang="de-CH" smtClean="0"/>
-              <a:t>18.04.2020</a:t>
+              <a:t>19.04.2020</a:t>
             </a:fld>
             <a:endParaRPr lang="de-CH"/>
           </a:p>
@@ -1959,7 +1966,7 @@
           <a:p>
             <a:fld id="{04C7ED8D-8335-45BF-A55E-4E4CF5103BD5}" type="datetimeFigureOut">
               <a:rPr lang="de-CH" smtClean="0"/>
-              <a:t>18.04.2020</a:t>
+              <a:t>19.04.2020</a:t>
             </a:fld>
             <a:endParaRPr lang="de-CH"/>
           </a:p>
@@ -2077,7 +2084,7 @@
           <a:p>
             <a:fld id="{04C7ED8D-8335-45BF-A55E-4E4CF5103BD5}" type="datetimeFigureOut">
               <a:rPr lang="de-CH" smtClean="0"/>
-              <a:t>18.04.2020</a:t>
+              <a:t>19.04.2020</a:t>
             </a:fld>
             <a:endParaRPr lang="de-CH"/>
           </a:p>
@@ -2172,7 +2179,7 @@
           <a:p>
             <a:fld id="{04C7ED8D-8335-45BF-A55E-4E4CF5103BD5}" type="datetimeFigureOut">
               <a:rPr lang="de-CH" smtClean="0"/>
-              <a:t>18.04.2020</a:t>
+              <a:t>19.04.2020</a:t>
             </a:fld>
             <a:endParaRPr lang="de-CH"/>
           </a:p>
@@ -2449,7 +2456,7 @@
           <a:p>
             <a:fld id="{04C7ED8D-8335-45BF-A55E-4E4CF5103BD5}" type="datetimeFigureOut">
               <a:rPr lang="de-CH" smtClean="0"/>
-              <a:t>18.04.2020</a:t>
+              <a:t>19.04.2020</a:t>
             </a:fld>
             <a:endParaRPr lang="de-CH"/>
           </a:p>
@@ -2702,7 +2709,7 @@
           <a:p>
             <a:fld id="{04C7ED8D-8335-45BF-A55E-4E4CF5103BD5}" type="datetimeFigureOut">
               <a:rPr lang="de-CH" smtClean="0"/>
-              <a:t>18.04.2020</a:t>
+              <a:t>19.04.2020</a:t>
             </a:fld>
             <a:endParaRPr lang="de-CH"/>
           </a:p>
@@ -2915,7 +2922,7 @@
           <a:p>
             <a:fld id="{04C7ED8D-8335-45BF-A55E-4E4CF5103BD5}" type="datetimeFigureOut">
               <a:rPr lang="de-CH" smtClean="0"/>
-              <a:t>18.04.2020</a:t>
+              <a:t>19.04.2020</a:t>
             </a:fld>
             <a:endParaRPr lang="de-CH"/>
           </a:p>
@@ -5193,7 +5200,7 @@
             <a:spLocks noGrp="1"/>
           </p:cNvSpPr>
           <p:nvPr>
-            <p:ph type="title"/>
+            <p:ph type="ctrTitle"/>
           </p:nvPr>
         </p:nvSpPr>
         <p:spPr/>
@@ -5202,8 +5209,92 @@
           <a:lstStyle/>
           <a:p>
             <a:r>
+              <a:rPr lang="de-CH" dirty="0" err="1" smtClean="0"/>
+              <a:t>Machine</a:t>
+            </a:r>
+            <a:r>
               <a:rPr lang="de-CH" dirty="0" smtClean="0"/>
-              <a:t>Backup Slide</a:t>
+              <a:t> </a:t>
+            </a:r>
+            <a:r>
+              <a:rPr lang="de-CH" dirty="0"/>
+              <a:t>L</a:t>
+            </a:r>
+            <a:r>
+              <a:rPr lang="de-CH" dirty="0" smtClean="0"/>
+              <a:t>earning</a:t>
+            </a:r>
+            <a:endParaRPr lang="de-CH" dirty="0"/>
+          </a:p>
+        </p:txBody>
+      </p:sp>
+      <p:sp>
+        <p:nvSpPr>
+          <p:cNvPr id="3" name="Subtitle 2"/>
+          <p:cNvSpPr>
+            <a:spLocks noGrp="1"/>
+          </p:cNvSpPr>
+          <p:nvPr>
+            <p:ph type="subTitle" idx="1"/>
+          </p:nvPr>
+        </p:nvSpPr>
+        <p:spPr/>
+        <p:txBody>
+          <a:bodyPr/>
+          <a:lstStyle/>
+          <a:p>
+            <a:endParaRPr lang="de-CH"/>
+          </a:p>
+        </p:txBody>
+      </p:sp>
+    </p:spTree>
+    <p:extLst>
+      <p:ext uri="{BB962C8B-B14F-4D97-AF65-F5344CB8AC3E}">
+        <p14:creationId xmlns:p14="http://schemas.microsoft.com/office/powerpoint/2010/main" val="3761700097"/>
+      </p:ext>
+    </p:extLst>
+  </p:cSld>
+  <p:clrMapOvr>
+    <a:masterClrMapping/>
+  </p:clrMapOvr>
+</p:sld>
+</file>
+
+<file path=ppt/slides/slide5.xml><?xml version="1.0" encoding="utf-8"?>
+<p:sld xmlns:a="http://schemas.openxmlformats.org/drawingml/2006/main" xmlns:r="http://schemas.openxmlformats.org/officeDocument/2006/relationships" xmlns:p="http://schemas.openxmlformats.org/presentationml/2006/main">
+  <p:cSld>
+    <p:spTree>
+      <p:nvGrpSpPr>
+        <p:cNvPr id="1" name=""/>
+        <p:cNvGrpSpPr/>
+        <p:nvPr/>
+      </p:nvGrpSpPr>
+      <p:grpSpPr>
+        <a:xfrm>
+          <a:off x="0" y="0"/>
+          <a:ext cx="0" cy="0"/>
+          <a:chOff x="0" y="0"/>
+          <a:chExt cx="0" cy="0"/>
+        </a:xfrm>
+      </p:grpSpPr>
+      <p:sp>
+        <p:nvSpPr>
+          <p:cNvPr id="2" name="Title 1"/>
+          <p:cNvSpPr>
+            <a:spLocks noGrp="1"/>
+          </p:cNvSpPr>
+          <p:nvPr>
+            <p:ph type="title"/>
+          </p:nvPr>
+        </p:nvSpPr>
+        <p:spPr/>
+        <p:txBody>
+          <a:bodyPr/>
+          <a:lstStyle/>
+          <a:p>
+            <a:r>
+              <a:rPr lang="de-CH" smtClean="0"/>
+              <a:t>Attributes</a:t>
             </a:r>
             <a:endParaRPr lang="de-CH" dirty="0"/>
           </a:p>
@@ -5232,8 +5323,8 @@
         </p:blipFill>
         <p:spPr bwMode="auto">
           <a:xfrm>
-            <a:off x="2235146" y="4720947"/>
-            <a:ext cx="2534244" cy="1860859"/>
+            <a:off x="2271502" y="4600172"/>
+            <a:ext cx="2863205" cy="2102410"/>
           </a:xfrm>
           <a:prstGeom prst="rect">
             <a:avLst/>
@@ -5259,7 +5350,7 @@
           <p:nvPr>
             <p:extLst>
               <p:ext uri="{D42A27DB-BD31-4B8C-83A1-F6EECF244321}">
-                <p14:modId xmlns:p14="http://schemas.microsoft.com/office/powerpoint/2010/main" val="2014037142"/>
+                <p14:modId xmlns:p14="http://schemas.microsoft.com/office/powerpoint/2010/main" val="2300849529"/>
               </p:ext>
             </p:extLst>
           </p:nvPr>
@@ -5403,7 +5494,7 @@
                             <a:schemeClr val="bg1"/>
                           </a:solidFill>
                         </a:rPr>
-                        <a:t>friendly</a:t>
+                        <a:t>confident</a:t>
                       </a:r>
                       <a:endParaRPr lang="de-CH" dirty="0">
                         <a:solidFill>
@@ -5451,10 +5542,18 @@
                       <a:r>
                         <a:rPr lang="de-CH" dirty="0" smtClean="0">
                           <a:solidFill>
+                            <a:srgbClr val="FF0000"/>
+                          </a:solidFill>
+                        </a:rPr>
+                        <a:t>Fun</a:t>
+                      </a:r>
+                      <a:r>
+                        <a:rPr lang="de-CH" dirty="0" smtClean="0">
+                          <a:solidFill>
                             <a:schemeClr val="tx1"/>
                           </a:solidFill>
                         </a:rPr>
-                        <a:t>Fun, happy</a:t>
+                        <a:t>, happy</a:t>
                       </a:r>
                       <a:endParaRPr lang="de-CH" dirty="0">
                         <a:solidFill>
@@ -5502,7 +5601,7 @@
                       <a:r>
                         <a:rPr lang="de-CH" dirty="0" err="1" smtClean="0">
                           <a:solidFill>
-                            <a:schemeClr val="bg1"/>
+                            <a:srgbClr val="FF0000"/>
                           </a:solidFill>
                         </a:rPr>
                         <a:t>Healthy</a:t>
@@ -5671,7 +5770,7 @@
                       <a:r>
                         <a:rPr lang="de-CH" dirty="0" err="1" smtClean="0">
                           <a:solidFill>
-                            <a:schemeClr val="bg1"/>
+                            <a:srgbClr val="FF0000"/>
                           </a:solidFill>
                         </a:rPr>
                         <a:t>Glamorous</a:t>
@@ -5738,7 +5837,7 @@
                       <a:r>
                         <a:rPr lang="de-CH" dirty="0" err="1" smtClean="0">
                           <a:solidFill>
-                            <a:schemeClr val="bg1"/>
+                            <a:srgbClr val="FF0000"/>
                           </a:solidFill>
                         </a:rPr>
                         <a:t>Rugged</a:t>
@@ -5897,6 +5996,136 @@
       </p:par>
     </p:tnLst>
   </p:timing>
+</p:sld>
+</file>
+
+<file path=ppt/slides/slide6.xml><?xml version="1.0" encoding="utf-8"?>
+<p:sld xmlns:a="http://schemas.openxmlformats.org/drawingml/2006/main" xmlns:r="http://schemas.openxmlformats.org/officeDocument/2006/relationships" xmlns:p="http://schemas.openxmlformats.org/presentationml/2006/main">
+  <p:cSld>
+    <p:spTree>
+      <p:nvGrpSpPr>
+        <p:cNvPr id="1" name=""/>
+        <p:cNvGrpSpPr/>
+        <p:nvPr/>
+      </p:nvGrpSpPr>
+      <p:grpSpPr>
+        <a:xfrm>
+          <a:off x="0" y="0"/>
+          <a:ext cx="0" cy="0"/>
+          <a:chOff x="0" y="0"/>
+          <a:chExt cx="0" cy="0"/>
+        </a:xfrm>
+      </p:grpSpPr>
+      <p:sp>
+        <p:nvSpPr>
+          <p:cNvPr id="2" name="Title 1"/>
+          <p:cNvSpPr>
+            <a:spLocks noGrp="1"/>
+          </p:cNvSpPr>
+          <p:nvPr>
+            <p:ph type="title"/>
+          </p:nvPr>
+        </p:nvSpPr>
+        <p:spPr/>
+        <p:txBody>
+          <a:bodyPr/>
+          <a:lstStyle/>
+          <a:p>
+            <a:r>
+              <a:rPr lang="de-CH" dirty="0" err="1" smtClean="0"/>
+              <a:t>Deep</a:t>
+            </a:r>
+            <a:r>
+              <a:rPr lang="de-CH" dirty="0" smtClean="0"/>
+              <a:t> </a:t>
+            </a:r>
+            <a:r>
+              <a:rPr lang="de-CH" dirty="0"/>
+              <a:t>L</a:t>
+            </a:r>
+            <a:r>
+              <a:rPr lang="de-CH" dirty="0" smtClean="0"/>
+              <a:t>earning</a:t>
+            </a:r>
+            <a:endParaRPr lang="de-CH" dirty="0"/>
+          </a:p>
+        </p:txBody>
+      </p:sp>
+      <p:sp>
+        <p:nvSpPr>
+          <p:cNvPr id="3" name="Rectangle 2"/>
+          <p:cNvSpPr/>
+          <p:nvPr/>
+        </p:nvSpPr>
+        <p:spPr>
+          <a:xfrm>
+            <a:off x="838200" y="1830196"/>
+            <a:ext cx="10333893" cy="646331"/>
+          </a:xfrm>
+          <a:prstGeom prst="rect">
+            <a:avLst/>
+          </a:prstGeom>
+        </p:spPr>
+        <p:txBody>
+          <a:bodyPr wrap="square">
+            <a:spAutoFit/>
+          </a:bodyPr>
+          <a:lstStyle/>
+          <a:p>
+            <a:r>
+              <a:rPr lang="en-US" dirty="0"/>
+              <a:t>Computer Vision: For image classification using </a:t>
+            </a:r>
+            <a:r>
+              <a:rPr lang="en-US" b="1" dirty="0"/>
+              <a:t>deep learning</a:t>
+            </a:r>
+            <a:r>
+              <a:rPr lang="en-US" dirty="0"/>
+              <a:t>, a rule of thumb is </a:t>
+            </a:r>
+            <a:r>
+              <a:rPr lang="en-US" dirty="0">
+                <a:solidFill>
+                  <a:srgbClr val="FF0000"/>
+                </a:solidFill>
+              </a:rPr>
+              <a:t>1,000 </a:t>
+            </a:r>
+            <a:r>
+              <a:rPr lang="en-US" b="1" dirty="0">
+                <a:solidFill>
+                  <a:srgbClr val="FF0000"/>
+                </a:solidFill>
+              </a:rPr>
+              <a:t>images</a:t>
+            </a:r>
+            <a:r>
+              <a:rPr lang="en-US" dirty="0">
+                <a:solidFill>
+                  <a:srgbClr val="FF0000"/>
+                </a:solidFill>
+              </a:rPr>
+              <a:t> per class</a:t>
+            </a:r>
+            <a:r>
+              <a:rPr lang="en-US" dirty="0"/>
+              <a:t>, where this number can go down significantly if one uses pre-trained models [6].</a:t>
+            </a:r>
+            <a:endParaRPr lang="de-CH" dirty="0"/>
+          </a:p>
+        </p:txBody>
+      </p:sp>
+    </p:spTree>
+    <p:extLst>
+      <p:ext uri="{BB962C8B-B14F-4D97-AF65-F5344CB8AC3E}">
+        <p14:creationId xmlns:p14="http://schemas.microsoft.com/office/powerpoint/2010/main" val="3795126838"/>
+      </p:ext>
+    </p:extLst>
+  </p:cSld>
+  <p:clrMapOvr>
+    <a:masterClrMapping/>
+  </p:clrMapOvr>
 </p:sld>
 </file>
 
